--- a/sanwaf.pptx
+++ b/sanwaf.pptx
@@ -8,7 +8,8 @@
     <p:sldId id="256" r:id="rId2"/>
     <p:sldId id="257" r:id="rId3"/>
     <p:sldId id="258" r:id="rId4"/>
-    <p:sldId id="259" r:id="rId5"/>
+    <p:sldId id="260" r:id="rId5"/>
+    <p:sldId id="259" r:id="rId6"/>
   </p:sldIdLst>
   <p:sldSz cx="12192000" cy="6858000"/>
   <p:notesSz cx="6858000" cy="9144000"/>
@@ -262,7 +263,7 @@
           <a:p>
             <a:fld id="{433C8177-282D-4C33-BC86-2D18E2E8DCA6}" type="datetimeFigureOut">
               <a:rPr lang="en-US" smtClean="0"/>
-              <a:t>3/15/2021</a:t>
+              <a:t>3/28/2021</a:t>
             </a:fld>
             <a:endParaRPr lang="en-US"/>
           </a:p>
@@ -460,7 +461,7 @@
           <a:p>
             <a:fld id="{433C8177-282D-4C33-BC86-2D18E2E8DCA6}" type="datetimeFigureOut">
               <a:rPr lang="en-US" smtClean="0"/>
-              <a:t>3/15/2021</a:t>
+              <a:t>3/28/2021</a:t>
             </a:fld>
             <a:endParaRPr lang="en-US"/>
           </a:p>
@@ -668,7 +669,7 @@
           <a:p>
             <a:fld id="{433C8177-282D-4C33-BC86-2D18E2E8DCA6}" type="datetimeFigureOut">
               <a:rPr lang="en-US" smtClean="0"/>
-              <a:t>3/15/2021</a:t>
+              <a:t>3/28/2021</a:t>
             </a:fld>
             <a:endParaRPr lang="en-US"/>
           </a:p>
@@ -866,7 +867,7 @@
           <a:p>
             <a:fld id="{433C8177-282D-4C33-BC86-2D18E2E8DCA6}" type="datetimeFigureOut">
               <a:rPr lang="en-US" smtClean="0"/>
-              <a:t>3/15/2021</a:t>
+              <a:t>3/28/2021</a:t>
             </a:fld>
             <a:endParaRPr lang="en-US"/>
           </a:p>
@@ -1141,7 +1142,7 @@
           <a:p>
             <a:fld id="{433C8177-282D-4C33-BC86-2D18E2E8DCA6}" type="datetimeFigureOut">
               <a:rPr lang="en-US" smtClean="0"/>
-              <a:t>3/15/2021</a:t>
+              <a:t>3/28/2021</a:t>
             </a:fld>
             <a:endParaRPr lang="en-US"/>
           </a:p>
@@ -1406,7 +1407,7 @@
           <a:p>
             <a:fld id="{433C8177-282D-4C33-BC86-2D18E2E8DCA6}" type="datetimeFigureOut">
               <a:rPr lang="en-US" smtClean="0"/>
-              <a:t>3/15/2021</a:t>
+              <a:t>3/28/2021</a:t>
             </a:fld>
             <a:endParaRPr lang="en-US"/>
           </a:p>
@@ -1818,7 +1819,7 @@
           <a:p>
             <a:fld id="{433C8177-282D-4C33-BC86-2D18E2E8DCA6}" type="datetimeFigureOut">
               <a:rPr lang="en-US" smtClean="0"/>
-              <a:t>3/15/2021</a:t>
+              <a:t>3/28/2021</a:t>
             </a:fld>
             <a:endParaRPr lang="en-US"/>
           </a:p>
@@ -1959,7 +1960,7 @@
           <a:p>
             <a:fld id="{433C8177-282D-4C33-BC86-2D18E2E8DCA6}" type="datetimeFigureOut">
               <a:rPr lang="en-US" smtClean="0"/>
-              <a:t>3/15/2021</a:t>
+              <a:t>3/28/2021</a:t>
             </a:fld>
             <a:endParaRPr lang="en-US"/>
           </a:p>
@@ -2072,7 +2073,7 @@
           <a:p>
             <a:fld id="{433C8177-282D-4C33-BC86-2D18E2E8DCA6}" type="datetimeFigureOut">
               <a:rPr lang="en-US" smtClean="0"/>
-              <a:t>3/15/2021</a:t>
+              <a:t>3/28/2021</a:t>
             </a:fld>
             <a:endParaRPr lang="en-US"/>
           </a:p>
@@ -2383,7 +2384,7 @@
           <a:p>
             <a:fld id="{433C8177-282D-4C33-BC86-2D18E2E8DCA6}" type="datetimeFigureOut">
               <a:rPr lang="en-US" smtClean="0"/>
-              <a:t>3/15/2021</a:t>
+              <a:t>3/28/2021</a:t>
             </a:fld>
             <a:endParaRPr lang="en-US"/>
           </a:p>
@@ -2671,7 +2672,7 @@
           <a:p>
             <a:fld id="{433C8177-282D-4C33-BC86-2D18E2E8DCA6}" type="datetimeFigureOut">
               <a:rPr lang="en-US" smtClean="0"/>
-              <a:t>3/15/2021</a:t>
+              <a:t>3/28/2021</a:t>
             </a:fld>
             <a:endParaRPr lang="en-US"/>
           </a:p>
@@ -2912,7 +2913,7 @@
           <a:p>
             <a:fld id="{433C8177-282D-4C33-BC86-2D18E2E8DCA6}" type="datetimeFigureOut">
               <a:rPr lang="en-US" smtClean="0"/>
-              <a:t>3/15/2021</a:t>
+              <a:t>3/28/2021</a:t>
             </a:fld>
             <a:endParaRPr lang="en-US"/>
           </a:p>
@@ -6442,6 +6443,1089 @@
         </p:nvSpPr>
         <p:spPr>
           <a:xfrm>
+            <a:off x="1597264" y="1417278"/>
+            <a:ext cx="1851377" cy="2788356"/>
+          </a:xfrm>
+          <a:prstGeom prst="roundRect">
+            <a:avLst/>
+          </a:prstGeom>
+          <a:solidFill>
+            <a:schemeClr val="tx1">
+              <a:lumMod val="75000"/>
+              <a:lumOff val="25000"/>
+            </a:schemeClr>
+          </a:solidFill>
+        </p:spPr>
+        <p:style>
+          <a:lnRef idx="2">
+            <a:schemeClr val="accent1">
+              <a:shade val="50000"/>
+            </a:schemeClr>
+          </a:lnRef>
+          <a:fillRef idx="1">
+            <a:schemeClr val="accent1"/>
+          </a:fillRef>
+          <a:effectRef idx="0">
+            <a:schemeClr val="accent1"/>
+          </a:effectRef>
+          <a:fontRef idx="minor">
+            <a:schemeClr val="lt1"/>
+          </a:fontRef>
+        </p:style>
+        <p:txBody>
+          <a:bodyPr rtlCol="0" anchor="ctr"/>
+          <a:lstStyle/>
+          <a:p>
+            <a:pPr algn="ctr"/>
+            <a:r>
+              <a:rPr lang="en-US" dirty="0"/>
+              <a:t>Browser</a:t>
+            </a:r>
+          </a:p>
+          <a:p>
+            <a:pPr algn="ctr"/>
+            <a:endParaRPr lang="en-US" dirty="0"/>
+          </a:p>
+          <a:p>
+            <a:pPr algn="ctr"/>
+            <a:endParaRPr lang="en-US" dirty="0"/>
+          </a:p>
+          <a:p>
+            <a:pPr algn="ctr"/>
+            <a:endParaRPr lang="en-US" dirty="0"/>
+          </a:p>
+          <a:p>
+            <a:pPr algn="ctr"/>
+            <a:endParaRPr lang="en-US" dirty="0"/>
+          </a:p>
+          <a:p>
+            <a:pPr algn="ctr"/>
+            <a:endParaRPr lang="en-US" dirty="0"/>
+          </a:p>
+          <a:p>
+            <a:pPr algn="ctr"/>
+            <a:endParaRPr lang="en-US" dirty="0"/>
+          </a:p>
+          <a:p>
+            <a:pPr algn="ctr"/>
+            <a:endParaRPr lang="en-US" dirty="0"/>
+          </a:p>
+          <a:p>
+            <a:pPr algn="ctr"/>
+            <a:endParaRPr lang="en-US" dirty="0"/>
+          </a:p>
+        </p:txBody>
+      </p:sp>
+      <p:sp>
+        <p:nvSpPr>
+          <p:cNvPr id="5" name="Rectangle: Rounded Corners 4">
+            <a:extLst>
+              <a:ext uri="{FF2B5EF4-FFF2-40B4-BE49-F238E27FC236}">
+                <a16:creationId xmlns:a16="http://schemas.microsoft.com/office/drawing/2014/main" id="{36FBD84D-9033-4589-87D0-241A95EAA547}"/>
+              </a:ext>
+            </a:extLst>
+          </p:cNvPr>
+          <p:cNvSpPr/>
+          <p:nvPr/>
+        </p:nvSpPr>
+        <p:spPr>
+          <a:xfrm>
+            <a:off x="8438559" y="1417278"/>
+            <a:ext cx="1965156" cy="2788356"/>
+          </a:xfrm>
+          <a:prstGeom prst="roundRect">
+            <a:avLst/>
+          </a:prstGeom>
+          <a:solidFill>
+            <a:schemeClr val="tx1">
+              <a:lumMod val="75000"/>
+              <a:lumOff val="25000"/>
+            </a:schemeClr>
+          </a:solidFill>
+        </p:spPr>
+        <p:style>
+          <a:lnRef idx="2">
+            <a:schemeClr val="accent1">
+              <a:shade val="50000"/>
+            </a:schemeClr>
+          </a:lnRef>
+          <a:fillRef idx="1">
+            <a:schemeClr val="accent1"/>
+          </a:fillRef>
+          <a:effectRef idx="0">
+            <a:schemeClr val="accent1"/>
+          </a:effectRef>
+          <a:fontRef idx="minor">
+            <a:schemeClr val="lt1"/>
+          </a:fontRef>
+        </p:style>
+        <p:txBody>
+          <a:bodyPr rtlCol="0" anchor="ctr"/>
+          <a:lstStyle/>
+          <a:p>
+            <a:pPr algn="ctr"/>
+            <a:r>
+              <a:rPr lang="en-US" dirty="0"/>
+              <a:t>Server</a:t>
+            </a:r>
+          </a:p>
+          <a:p>
+            <a:pPr algn="ctr"/>
+            <a:endParaRPr lang="en-US" dirty="0"/>
+          </a:p>
+          <a:p>
+            <a:pPr algn="ctr"/>
+            <a:endParaRPr lang="en-US" dirty="0"/>
+          </a:p>
+          <a:p>
+            <a:pPr algn="ctr"/>
+            <a:endParaRPr lang="en-US" dirty="0"/>
+          </a:p>
+          <a:p>
+            <a:pPr algn="ctr"/>
+            <a:endParaRPr lang="en-US" dirty="0"/>
+          </a:p>
+          <a:p>
+            <a:pPr algn="ctr"/>
+            <a:endParaRPr lang="en-US" dirty="0"/>
+          </a:p>
+          <a:p>
+            <a:pPr algn="ctr"/>
+            <a:endParaRPr lang="en-US" dirty="0"/>
+          </a:p>
+          <a:p>
+            <a:pPr algn="ctr"/>
+            <a:endParaRPr lang="en-US" dirty="0"/>
+          </a:p>
+          <a:p>
+            <a:pPr algn="ctr"/>
+            <a:endParaRPr lang="en-US" dirty="0"/>
+          </a:p>
+        </p:txBody>
+      </p:sp>
+      <p:sp>
+        <p:nvSpPr>
+          <p:cNvPr id="7" name="Rectangle 6">
+            <a:extLst>
+              <a:ext uri="{FF2B5EF4-FFF2-40B4-BE49-F238E27FC236}">
+                <a16:creationId xmlns:a16="http://schemas.microsoft.com/office/drawing/2014/main" id="{4C2C7E95-C166-4ADD-A645-A179FBEE79A0}"/>
+              </a:ext>
+            </a:extLst>
+          </p:cNvPr>
+          <p:cNvSpPr/>
+          <p:nvPr/>
+        </p:nvSpPr>
+        <p:spPr>
+          <a:xfrm>
+            <a:off x="2509975" y="3138859"/>
+            <a:ext cx="551083" cy="223935"/>
+          </a:xfrm>
+          <a:prstGeom prst="rect">
+            <a:avLst/>
+          </a:prstGeom>
+        </p:spPr>
+        <p:style>
+          <a:lnRef idx="2">
+            <a:schemeClr val="dk1"/>
+          </a:lnRef>
+          <a:fillRef idx="1">
+            <a:schemeClr val="lt1"/>
+          </a:fillRef>
+          <a:effectRef idx="0">
+            <a:schemeClr val="dk1"/>
+          </a:effectRef>
+          <a:fontRef idx="minor">
+            <a:schemeClr val="dk1"/>
+          </a:fontRef>
+        </p:style>
+        <p:txBody>
+          <a:bodyPr rtlCol="0" anchor="ctr"/>
+          <a:lstStyle/>
+          <a:p>
+            <a:pPr algn="ctr"/>
+            <a:endParaRPr lang="en-US"/>
+          </a:p>
+        </p:txBody>
+      </p:sp>
+      <p:sp>
+        <p:nvSpPr>
+          <p:cNvPr id="8" name="Rectangle 7">
+            <a:extLst>
+              <a:ext uri="{FF2B5EF4-FFF2-40B4-BE49-F238E27FC236}">
+                <a16:creationId xmlns:a16="http://schemas.microsoft.com/office/drawing/2014/main" id="{5C9363C9-ACD1-4A6D-ABC2-EBABA31BC306}"/>
+              </a:ext>
+            </a:extLst>
+          </p:cNvPr>
+          <p:cNvSpPr/>
+          <p:nvPr/>
+        </p:nvSpPr>
+        <p:spPr>
+          <a:xfrm>
+            <a:off x="2509974" y="3438457"/>
+            <a:ext cx="551083" cy="223935"/>
+          </a:xfrm>
+          <a:prstGeom prst="rect">
+            <a:avLst/>
+          </a:prstGeom>
+        </p:spPr>
+        <p:style>
+          <a:lnRef idx="2">
+            <a:schemeClr val="dk1"/>
+          </a:lnRef>
+          <a:fillRef idx="1">
+            <a:schemeClr val="lt1"/>
+          </a:fillRef>
+          <a:effectRef idx="0">
+            <a:schemeClr val="dk1"/>
+          </a:effectRef>
+          <a:fontRef idx="minor">
+            <a:schemeClr val="dk1"/>
+          </a:fontRef>
+        </p:style>
+        <p:txBody>
+          <a:bodyPr rtlCol="0" anchor="ctr"/>
+          <a:lstStyle/>
+          <a:p>
+            <a:pPr algn="ctr"/>
+            <a:endParaRPr lang="en-US"/>
+          </a:p>
+        </p:txBody>
+      </p:sp>
+      <p:sp>
+        <p:nvSpPr>
+          <p:cNvPr id="9" name="Rectangle 8">
+            <a:extLst>
+              <a:ext uri="{FF2B5EF4-FFF2-40B4-BE49-F238E27FC236}">
+                <a16:creationId xmlns:a16="http://schemas.microsoft.com/office/drawing/2014/main" id="{008F256E-A10F-4E93-A1EB-D076BC836955}"/>
+              </a:ext>
+            </a:extLst>
+          </p:cNvPr>
+          <p:cNvSpPr/>
+          <p:nvPr/>
+        </p:nvSpPr>
+        <p:spPr>
+          <a:xfrm>
+            <a:off x="2519087" y="3728337"/>
+            <a:ext cx="551083" cy="223935"/>
+          </a:xfrm>
+          <a:prstGeom prst="rect">
+            <a:avLst/>
+          </a:prstGeom>
+        </p:spPr>
+        <p:style>
+          <a:lnRef idx="2">
+            <a:schemeClr val="dk1"/>
+          </a:lnRef>
+          <a:fillRef idx="1">
+            <a:schemeClr val="lt1"/>
+          </a:fillRef>
+          <a:effectRef idx="0">
+            <a:schemeClr val="dk1"/>
+          </a:effectRef>
+          <a:fontRef idx="minor">
+            <a:schemeClr val="dk1"/>
+          </a:fontRef>
+        </p:style>
+        <p:txBody>
+          <a:bodyPr rtlCol="0" anchor="ctr"/>
+          <a:lstStyle/>
+          <a:p>
+            <a:pPr algn="ctr"/>
+            <a:endParaRPr lang="en-US"/>
+          </a:p>
+        </p:txBody>
+      </p:sp>
+      <p:sp>
+        <p:nvSpPr>
+          <p:cNvPr id="10" name="TextBox 9">
+            <a:extLst>
+              <a:ext uri="{FF2B5EF4-FFF2-40B4-BE49-F238E27FC236}">
+                <a16:creationId xmlns:a16="http://schemas.microsoft.com/office/drawing/2014/main" id="{B46BDB2B-8C2F-4AC3-BF39-9258C60FBCB2}"/>
+              </a:ext>
+            </a:extLst>
+          </p:cNvPr>
+          <p:cNvSpPr txBox="1"/>
+          <p:nvPr/>
+        </p:nvSpPr>
+        <p:spPr>
+          <a:xfrm>
+            <a:off x="1922955" y="3134610"/>
+            <a:ext cx="558166" cy="276999"/>
+          </a:xfrm>
+          <a:prstGeom prst="rect">
+            <a:avLst/>
+          </a:prstGeom>
+          <a:noFill/>
+        </p:spPr>
+        <p:txBody>
+          <a:bodyPr wrap="none" rtlCol="0">
+            <a:spAutoFit/>
+          </a:bodyPr>
+          <a:lstStyle/>
+          <a:p>
+            <a:r>
+              <a:rPr lang="en-US" sz="1200" dirty="0">
+                <a:solidFill>
+                  <a:schemeClr val="bg1"/>
+                </a:solidFill>
+              </a:rPr>
+              <a:t>Name</a:t>
+            </a:r>
+          </a:p>
+        </p:txBody>
+      </p:sp>
+      <p:sp>
+        <p:nvSpPr>
+          <p:cNvPr id="11" name="TextBox 10">
+            <a:extLst>
+              <a:ext uri="{FF2B5EF4-FFF2-40B4-BE49-F238E27FC236}">
+                <a16:creationId xmlns:a16="http://schemas.microsoft.com/office/drawing/2014/main" id="{B928F07A-ED30-4683-9FC3-E8049406A374}"/>
+              </a:ext>
+            </a:extLst>
+          </p:cNvPr>
+          <p:cNvSpPr txBox="1"/>
+          <p:nvPr/>
+        </p:nvSpPr>
+        <p:spPr>
+          <a:xfrm>
+            <a:off x="1612912" y="3411924"/>
+            <a:ext cx="882614" cy="276999"/>
+          </a:xfrm>
+          <a:prstGeom prst="rect">
+            <a:avLst/>
+          </a:prstGeom>
+          <a:noFill/>
+        </p:spPr>
+        <p:txBody>
+          <a:bodyPr wrap="none" rtlCol="0">
+            <a:spAutoFit/>
+          </a:bodyPr>
+          <a:lstStyle/>
+          <a:p>
+            <a:r>
+              <a:rPr lang="en-US" sz="1200" dirty="0">
+                <a:solidFill>
+                  <a:schemeClr val="bg1"/>
+                </a:solidFill>
+              </a:rPr>
+              <a:t>Credit Card</a:t>
+            </a:r>
+          </a:p>
+        </p:txBody>
+      </p:sp>
+      <p:sp>
+        <p:nvSpPr>
+          <p:cNvPr id="12" name="TextBox 11">
+            <a:extLst>
+              <a:ext uri="{FF2B5EF4-FFF2-40B4-BE49-F238E27FC236}">
+                <a16:creationId xmlns:a16="http://schemas.microsoft.com/office/drawing/2014/main" id="{D89075B6-F20C-4829-AE96-DEE313223EAC}"/>
+              </a:ext>
+            </a:extLst>
+          </p:cNvPr>
+          <p:cNvSpPr txBox="1"/>
+          <p:nvPr/>
+        </p:nvSpPr>
+        <p:spPr>
+          <a:xfrm>
+            <a:off x="1904520" y="3717647"/>
+            <a:ext cx="565348" cy="276999"/>
+          </a:xfrm>
+          <a:prstGeom prst="rect">
+            <a:avLst/>
+          </a:prstGeom>
+          <a:noFill/>
+        </p:spPr>
+        <p:txBody>
+          <a:bodyPr wrap="none" rtlCol="0">
+            <a:spAutoFit/>
+          </a:bodyPr>
+          <a:lstStyle/>
+          <a:p>
+            <a:r>
+              <a:rPr lang="en-US" sz="1200" dirty="0">
+                <a:solidFill>
+                  <a:schemeClr val="bg1"/>
+                </a:solidFill>
+              </a:rPr>
+              <a:t>Expiry</a:t>
+            </a:r>
+          </a:p>
+        </p:txBody>
+      </p:sp>
+      <p:sp>
+        <p:nvSpPr>
+          <p:cNvPr id="13" name="Arrow: Curved Left 12">
+            <a:extLst>
+              <a:ext uri="{FF2B5EF4-FFF2-40B4-BE49-F238E27FC236}">
+                <a16:creationId xmlns:a16="http://schemas.microsoft.com/office/drawing/2014/main" id="{01A01F31-46B3-4CA2-B618-80ACAF7FEC54}"/>
+              </a:ext>
+            </a:extLst>
+          </p:cNvPr>
+          <p:cNvSpPr/>
+          <p:nvPr/>
+        </p:nvSpPr>
+        <p:spPr>
+          <a:xfrm rot="10800000">
+            <a:off x="597504" y="2203163"/>
+            <a:ext cx="1007707" cy="1623527"/>
+          </a:xfrm>
+          <a:prstGeom prst="curvedLeftArrow">
+            <a:avLst/>
+          </a:prstGeom>
+          <a:solidFill>
+            <a:schemeClr val="accent2">
+              <a:lumMod val="50000"/>
+            </a:schemeClr>
+          </a:solidFill>
+        </p:spPr>
+        <p:style>
+          <a:lnRef idx="2">
+            <a:schemeClr val="accent1">
+              <a:shade val="50000"/>
+            </a:schemeClr>
+          </a:lnRef>
+          <a:fillRef idx="1">
+            <a:schemeClr val="accent1"/>
+          </a:fillRef>
+          <a:effectRef idx="0">
+            <a:schemeClr val="accent1"/>
+          </a:effectRef>
+          <a:fontRef idx="minor">
+            <a:schemeClr val="lt1"/>
+          </a:fontRef>
+        </p:style>
+        <p:txBody>
+          <a:bodyPr rtlCol="0" anchor="ctr"/>
+          <a:lstStyle/>
+          <a:p>
+            <a:pPr algn="ctr"/>
+            <a:endParaRPr lang="en-US">
+              <a:solidFill>
+                <a:schemeClr val="tx1"/>
+              </a:solidFill>
+            </a:endParaRPr>
+          </a:p>
+        </p:txBody>
+      </p:sp>
+      <p:sp>
+        <p:nvSpPr>
+          <p:cNvPr id="14" name="Rectangle: Diagonal Corners Snipped 13">
+            <a:extLst>
+              <a:ext uri="{FF2B5EF4-FFF2-40B4-BE49-F238E27FC236}">
+                <a16:creationId xmlns:a16="http://schemas.microsoft.com/office/drawing/2014/main" id="{5190CEC2-3F53-463F-9167-F1C8B208A3D6}"/>
+              </a:ext>
+            </a:extLst>
+          </p:cNvPr>
+          <p:cNvSpPr/>
+          <p:nvPr/>
+        </p:nvSpPr>
+        <p:spPr>
+          <a:xfrm>
+            <a:off x="1715019" y="1991976"/>
+            <a:ext cx="1623814" cy="777091"/>
+          </a:xfrm>
+          <a:prstGeom prst="snip2DiagRect">
+            <a:avLst/>
+          </a:prstGeom>
+          <a:solidFill>
+            <a:schemeClr val="accent2">
+              <a:lumMod val="50000"/>
+            </a:schemeClr>
+          </a:solidFill>
+        </p:spPr>
+        <p:style>
+          <a:lnRef idx="2">
+            <a:schemeClr val="accent2">
+              <a:shade val="50000"/>
+            </a:schemeClr>
+          </a:lnRef>
+          <a:fillRef idx="1">
+            <a:schemeClr val="accent2"/>
+          </a:fillRef>
+          <a:effectRef idx="0">
+            <a:schemeClr val="accent2"/>
+          </a:effectRef>
+          <a:fontRef idx="minor">
+            <a:schemeClr val="lt1"/>
+          </a:fontRef>
+        </p:style>
+        <p:txBody>
+          <a:bodyPr rtlCol="0" anchor="ctr"/>
+          <a:lstStyle/>
+          <a:p>
+            <a:pPr algn="ctr"/>
+            <a:r>
+              <a:rPr lang="en-US" sz="1800" dirty="0"/>
+              <a:t>Sanwaf-</a:t>
+            </a:r>
+            <a:r>
+              <a:rPr lang="en-US" sz="1800" dirty="0" err="1"/>
+              <a:t>ui</a:t>
+            </a:r>
+            <a:endParaRPr lang="en-US" sz="1800" dirty="0"/>
+          </a:p>
+          <a:p>
+            <a:pPr algn="ctr"/>
+            <a:r>
+              <a:rPr lang="en-US" dirty="0"/>
+              <a:t>v</a:t>
+            </a:r>
+            <a:r>
+              <a:rPr lang="en-US" sz="1800" dirty="0"/>
+              <a:t>alidates data on client</a:t>
+            </a:r>
+            <a:endParaRPr lang="en-US" dirty="0"/>
+          </a:p>
+        </p:txBody>
+      </p:sp>
+      <p:sp>
+        <p:nvSpPr>
+          <p:cNvPr id="15" name="Rectangle: Diagonal Corners Snipped 14">
+            <a:extLst>
+              <a:ext uri="{FF2B5EF4-FFF2-40B4-BE49-F238E27FC236}">
+                <a16:creationId xmlns:a16="http://schemas.microsoft.com/office/drawing/2014/main" id="{C5B93CB8-68B5-40F8-AFAA-2BA3D3AD1D4B}"/>
+              </a:ext>
+            </a:extLst>
+          </p:cNvPr>
+          <p:cNvSpPr/>
+          <p:nvPr/>
+        </p:nvSpPr>
+        <p:spPr>
+          <a:xfrm>
+            <a:off x="8552340" y="1900109"/>
+            <a:ext cx="1737594" cy="777091"/>
+          </a:xfrm>
+          <a:prstGeom prst="snip2DiagRect">
+            <a:avLst/>
+          </a:prstGeom>
+          <a:solidFill>
+            <a:schemeClr val="accent2">
+              <a:lumMod val="50000"/>
+            </a:schemeClr>
+          </a:solidFill>
+        </p:spPr>
+        <p:style>
+          <a:lnRef idx="2">
+            <a:schemeClr val="accent2">
+              <a:shade val="50000"/>
+            </a:schemeClr>
+          </a:lnRef>
+          <a:fillRef idx="1">
+            <a:schemeClr val="accent2"/>
+          </a:fillRef>
+          <a:effectRef idx="0">
+            <a:schemeClr val="accent2"/>
+          </a:effectRef>
+          <a:fontRef idx="minor">
+            <a:schemeClr val="lt1"/>
+          </a:fontRef>
+        </p:style>
+        <p:txBody>
+          <a:bodyPr rtlCol="0" anchor="ctr"/>
+          <a:lstStyle/>
+          <a:p>
+            <a:pPr algn="ctr"/>
+            <a:r>
+              <a:rPr lang="en-US" sz="1800" dirty="0"/>
+              <a:t>Sanwaf-server</a:t>
+            </a:r>
+          </a:p>
+          <a:p>
+            <a:pPr algn="ctr"/>
+            <a:r>
+              <a:rPr lang="en-US" dirty="0"/>
+              <a:t>v</a:t>
+            </a:r>
+            <a:r>
+              <a:rPr lang="en-US" sz="1800" dirty="0"/>
+              <a:t>alidates data on server</a:t>
+            </a:r>
+            <a:endParaRPr lang="en-US" dirty="0"/>
+          </a:p>
+        </p:txBody>
+      </p:sp>
+      <p:sp>
+        <p:nvSpPr>
+          <p:cNvPr id="16" name="Arrow: Curved Left 15">
+            <a:extLst>
+              <a:ext uri="{FF2B5EF4-FFF2-40B4-BE49-F238E27FC236}">
+                <a16:creationId xmlns:a16="http://schemas.microsoft.com/office/drawing/2014/main" id="{6F512F20-52FA-474F-AF61-C0A3F024601E}"/>
+              </a:ext>
+            </a:extLst>
+          </p:cNvPr>
+          <p:cNvSpPr/>
+          <p:nvPr/>
+        </p:nvSpPr>
+        <p:spPr>
+          <a:xfrm>
+            <a:off x="10289935" y="2136659"/>
+            <a:ext cx="1007706" cy="1200308"/>
+          </a:xfrm>
+          <a:prstGeom prst="curvedLeftArrow">
+            <a:avLst/>
+          </a:prstGeom>
+          <a:solidFill>
+            <a:schemeClr val="accent2">
+              <a:lumMod val="50000"/>
+            </a:schemeClr>
+          </a:solidFill>
+        </p:spPr>
+        <p:style>
+          <a:lnRef idx="2">
+            <a:schemeClr val="accent1">
+              <a:shade val="50000"/>
+            </a:schemeClr>
+          </a:lnRef>
+          <a:fillRef idx="1">
+            <a:schemeClr val="accent1"/>
+          </a:fillRef>
+          <a:effectRef idx="0">
+            <a:schemeClr val="accent1"/>
+          </a:effectRef>
+          <a:fontRef idx="minor">
+            <a:schemeClr val="lt1"/>
+          </a:fontRef>
+        </p:style>
+        <p:txBody>
+          <a:bodyPr rtlCol="0" anchor="ctr"/>
+          <a:lstStyle/>
+          <a:p>
+            <a:pPr algn="ctr"/>
+            <a:endParaRPr lang="en-US">
+              <a:solidFill>
+                <a:schemeClr val="tx1"/>
+              </a:solidFill>
+            </a:endParaRPr>
+          </a:p>
+        </p:txBody>
+      </p:sp>
+      <p:sp>
+        <p:nvSpPr>
+          <p:cNvPr id="17" name="Rectangle: Rounded Corners 16">
+            <a:extLst>
+              <a:ext uri="{FF2B5EF4-FFF2-40B4-BE49-F238E27FC236}">
+                <a16:creationId xmlns:a16="http://schemas.microsoft.com/office/drawing/2014/main" id="{434839B6-3C71-4B8F-8900-092F67C4C4B9}"/>
+              </a:ext>
+            </a:extLst>
+          </p:cNvPr>
+          <p:cNvSpPr/>
+          <p:nvPr/>
+        </p:nvSpPr>
+        <p:spPr>
+          <a:xfrm>
+            <a:off x="8552340" y="2811456"/>
+            <a:ext cx="1623814" cy="1200309"/>
+          </a:xfrm>
+          <a:prstGeom prst="roundRect">
+            <a:avLst/>
+          </a:prstGeom>
+          <a:solidFill>
+            <a:schemeClr val="tx1">
+              <a:lumMod val="75000"/>
+              <a:lumOff val="25000"/>
+            </a:schemeClr>
+          </a:solidFill>
+        </p:spPr>
+        <p:style>
+          <a:lnRef idx="2">
+            <a:schemeClr val="accent1">
+              <a:shade val="50000"/>
+            </a:schemeClr>
+          </a:lnRef>
+          <a:fillRef idx="1">
+            <a:schemeClr val="accent1"/>
+          </a:fillRef>
+          <a:effectRef idx="0">
+            <a:schemeClr val="accent1"/>
+          </a:effectRef>
+          <a:fontRef idx="minor">
+            <a:schemeClr val="lt1"/>
+          </a:fontRef>
+        </p:style>
+        <p:txBody>
+          <a:bodyPr rtlCol="0" anchor="ctr"/>
+          <a:lstStyle/>
+          <a:p>
+            <a:pPr algn="ctr"/>
+            <a:r>
+              <a:rPr lang="en-US" dirty="0"/>
+              <a:t>Application</a:t>
+            </a:r>
+          </a:p>
+        </p:txBody>
+      </p:sp>
+      <p:sp>
+        <p:nvSpPr>
+          <p:cNvPr id="18" name="Rectangle 17">
+            <a:extLst>
+              <a:ext uri="{FF2B5EF4-FFF2-40B4-BE49-F238E27FC236}">
+                <a16:creationId xmlns:a16="http://schemas.microsoft.com/office/drawing/2014/main" id="{2D95AD25-2BFA-47DA-B7ED-0ACEBD0A3663}"/>
+              </a:ext>
+            </a:extLst>
+          </p:cNvPr>
+          <p:cNvSpPr/>
+          <p:nvPr/>
+        </p:nvSpPr>
+        <p:spPr>
+          <a:xfrm>
+            <a:off x="370372" y="112302"/>
+            <a:ext cx="11451276" cy="830997"/>
+          </a:xfrm>
+          <a:prstGeom prst="rect">
+            <a:avLst/>
+          </a:prstGeom>
+          <a:noFill/>
+        </p:spPr>
+        <p:txBody>
+          <a:bodyPr wrap="none" lIns="91440" tIns="45720" rIns="91440" bIns="45720">
+            <a:spAutoFit/>
+          </a:bodyPr>
+          <a:lstStyle/>
+          <a:p>
+            <a:pPr algn="ctr"/>
+            <a:r>
+              <a:rPr lang="en-US" sz="4800" b="0" cap="none" spc="0" dirty="0">
+                <a:ln w="0"/>
+                <a:solidFill>
+                  <a:schemeClr val="tx1">
+                    <a:lumMod val="50000"/>
+                    <a:lumOff val="50000"/>
+                  </a:schemeClr>
+                </a:solidFill>
+                <a:effectLst>
+                  <a:outerShdw blurRad="38100" dist="19050" dir="2700000" algn="tl" rotWithShape="0">
+                    <a:schemeClr val="dk1">
+                      <a:alpha val="40000"/>
+                    </a:schemeClr>
+                  </a:outerShdw>
+                </a:effectLst>
+              </a:rPr>
+              <a:t>Sanwaf – Sanitation Web Application Firewall</a:t>
+            </a:r>
+          </a:p>
+        </p:txBody>
+      </p:sp>
+      <p:sp>
+        <p:nvSpPr>
+          <p:cNvPr id="19" name="Rectangle 18">
+            <a:extLst>
+              <a:ext uri="{FF2B5EF4-FFF2-40B4-BE49-F238E27FC236}">
+                <a16:creationId xmlns:a16="http://schemas.microsoft.com/office/drawing/2014/main" id="{05DA97E8-7D69-4322-BC7B-03C62D773251}"/>
+              </a:ext>
+            </a:extLst>
+          </p:cNvPr>
+          <p:cNvSpPr/>
+          <p:nvPr/>
+        </p:nvSpPr>
+        <p:spPr>
+          <a:xfrm>
+            <a:off x="283029" y="5029393"/>
+            <a:ext cx="11625941" cy="1323439"/>
+          </a:xfrm>
+          <a:prstGeom prst="rect">
+            <a:avLst/>
+          </a:prstGeom>
+          <a:noFill/>
+        </p:spPr>
+        <p:txBody>
+          <a:bodyPr wrap="square" lIns="91440" tIns="45720" rIns="91440" bIns="45720">
+            <a:spAutoFit/>
+          </a:bodyPr>
+          <a:lstStyle/>
+          <a:p>
+            <a:pPr algn="ctr"/>
+            <a:r>
+              <a:rPr lang="en-US" sz="4000" dirty="0">
+                <a:ln w="0"/>
+                <a:solidFill>
+                  <a:schemeClr val="tx1">
+                    <a:lumMod val="50000"/>
+                    <a:lumOff val="50000"/>
+                  </a:schemeClr>
+                </a:solidFill>
+                <a:effectLst>
+                  <a:outerShdw blurRad="38100" dist="19050" dir="2700000" algn="tl" rotWithShape="0">
+                    <a:schemeClr val="dk1">
+                      <a:alpha val="40000"/>
+                    </a:schemeClr>
+                  </a:outerShdw>
+                </a:effectLst>
+              </a:rPr>
+              <a:t>custom attributes </a:t>
+            </a:r>
+            <a:r>
+              <a:rPr lang="en-US" sz="4000" b="0" cap="none" spc="0" dirty="0">
+                <a:ln w="0"/>
+                <a:solidFill>
+                  <a:schemeClr val="tx1">
+                    <a:lumMod val="50000"/>
+                    <a:lumOff val="50000"/>
+                  </a:schemeClr>
+                </a:solidFill>
+                <a:effectLst>
+                  <a:outerShdw blurRad="38100" dist="19050" dir="2700000" algn="tl" rotWithShape="0">
+                    <a:schemeClr val="dk1">
+                      <a:alpha val="40000"/>
+                    </a:schemeClr>
+                  </a:outerShdw>
+                </a:effectLst>
+              </a:rPr>
+              <a:t>define front &amp; back end validation </a:t>
+            </a:r>
+          </a:p>
+          <a:p>
+            <a:pPr algn="ctr"/>
+            <a:r>
+              <a:rPr lang="en-US" sz="4000" dirty="0">
+                <a:ln w="0"/>
+                <a:solidFill>
+                  <a:schemeClr val="tx1">
+                    <a:lumMod val="50000"/>
+                    <a:lumOff val="50000"/>
+                  </a:schemeClr>
+                </a:solidFill>
+                <a:effectLst>
+                  <a:outerShdw blurRad="38100" dist="19050" dir="2700000" algn="tl" rotWithShape="0">
+                    <a:schemeClr val="dk1">
+                      <a:alpha val="40000"/>
+                    </a:schemeClr>
+                  </a:outerShdw>
+                </a:effectLst>
+              </a:rPr>
+              <a:t>0-Code &amp; 0-Dependencies</a:t>
+            </a:r>
+            <a:endParaRPr lang="en-US" sz="4000" b="0" cap="none" spc="0" dirty="0">
+              <a:ln w="0"/>
+              <a:solidFill>
+                <a:schemeClr val="tx1">
+                  <a:lumMod val="50000"/>
+                  <a:lumOff val="50000"/>
+                </a:schemeClr>
+              </a:solidFill>
+              <a:effectLst>
+                <a:outerShdw blurRad="38100" dist="19050" dir="2700000" algn="tl" rotWithShape="0">
+                  <a:schemeClr val="dk1">
+                    <a:alpha val="40000"/>
+                  </a:schemeClr>
+                </a:outerShdw>
+              </a:effectLst>
+            </a:endParaRPr>
+          </a:p>
+        </p:txBody>
+      </p:sp>
+      <p:sp>
+        <p:nvSpPr>
+          <p:cNvPr id="2" name="Arrow: Right 1">
+            <a:extLst>
+              <a:ext uri="{FF2B5EF4-FFF2-40B4-BE49-F238E27FC236}">
+                <a16:creationId xmlns:a16="http://schemas.microsoft.com/office/drawing/2014/main" id="{29C99E07-8109-488C-81E6-3818AF5B4D18}"/>
+              </a:ext>
+            </a:extLst>
+          </p:cNvPr>
+          <p:cNvSpPr/>
+          <p:nvPr/>
+        </p:nvSpPr>
+        <p:spPr>
+          <a:xfrm>
+            <a:off x="3558448" y="2251740"/>
+            <a:ext cx="4835327" cy="444638"/>
+          </a:xfrm>
+          <a:prstGeom prst="rightArrow">
+            <a:avLst/>
+          </a:prstGeom>
+          <a:solidFill>
+            <a:schemeClr val="accent2">
+              <a:lumMod val="50000"/>
+            </a:schemeClr>
+          </a:solidFill>
+        </p:spPr>
+        <p:style>
+          <a:lnRef idx="2">
+            <a:schemeClr val="accent1">
+              <a:shade val="50000"/>
+            </a:schemeClr>
+          </a:lnRef>
+          <a:fillRef idx="1">
+            <a:schemeClr val="accent1"/>
+          </a:fillRef>
+          <a:effectRef idx="0">
+            <a:schemeClr val="accent1"/>
+          </a:effectRef>
+          <a:fontRef idx="minor">
+            <a:schemeClr val="lt1"/>
+          </a:fontRef>
+        </p:style>
+        <p:txBody>
+          <a:bodyPr rtlCol="0" anchor="ctr"/>
+          <a:lstStyle/>
+          <a:p>
+            <a:pPr algn="ctr"/>
+            <a:endParaRPr lang="en-US"/>
+          </a:p>
+        </p:txBody>
+      </p:sp>
+      <p:sp>
+        <p:nvSpPr>
+          <p:cNvPr id="6" name="Cloud 5">
+            <a:extLst>
+              <a:ext uri="{FF2B5EF4-FFF2-40B4-BE49-F238E27FC236}">
+                <a16:creationId xmlns:a16="http://schemas.microsoft.com/office/drawing/2014/main" id="{C2B55A4B-303A-43E5-8AC6-45E294595130}"/>
+              </a:ext>
+            </a:extLst>
+          </p:cNvPr>
+          <p:cNvSpPr/>
+          <p:nvPr/>
+        </p:nvSpPr>
+        <p:spPr>
+          <a:xfrm>
+            <a:off x="4329404" y="1767982"/>
+            <a:ext cx="3228392" cy="1856792"/>
+          </a:xfrm>
+          <a:prstGeom prst="cloud">
+            <a:avLst/>
+          </a:prstGeom>
+          <a:solidFill>
+            <a:schemeClr val="tx1">
+              <a:lumMod val="75000"/>
+              <a:lumOff val="25000"/>
+              <a:alpha val="66000"/>
+            </a:schemeClr>
+          </a:solidFill>
+        </p:spPr>
+        <p:style>
+          <a:lnRef idx="2">
+            <a:schemeClr val="accent1">
+              <a:shade val="50000"/>
+            </a:schemeClr>
+          </a:lnRef>
+          <a:fillRef idx="1">
+            <a:schemeClr val="accent1"/>
+          </a:fillRef>
+          <a:effectRef idx="0">
+            <a:schemeClr val="accent1"/>
+          </a:effectRef>
+          <a:fontRef idx="minor">
+            <a:schemeClr val="lt1"/>
+          </a:fontRef>
+        </p:style>
+        <p:txBody>
+          <a:bodyPr rtlCol="0" anchor="ctr"/>
+          <a:lstStyle/>
+          <a:p>
+            <a:pPr algn="ctr"/>
+            <a:r>
+              <a:rPr lang="en-US" dirty="0"/>
+              <a:t>Internet</a:t>
+            </a:r>
+          </a:p>
+        </p:txBody>
+      </p:sp>
+      <p:sp>
+        <p:nvSpPr>
+          <p:cNvPr id="20" name="TextBox 19">
+            <a:extLst>
+              <a:ext uri="{FF2B5EF4-FFF2-40B4-BE49-F238E27FC236}">
+                <a16:creationId xmlns:a16="http://schemas.microsoft.com/office/drawing/2014/main" id="{751E2421-BF31-47A9-9B03-926725DBE323}"/>
+              </a:ext>
+            </a:extLst>
+          </p:cNvPr>
+          <p:cNvSpPr txBox="1"/>
+          <p:nvPr/>
+        </p:nvSpPr>
+        <p:spPr>
+          <a:xfrm>
+            <a:off x="-283030" y="4413271"/>
+            <a:ext cx="12192000" cy="769441"/>
+          </a:xfrm>
+          <a:prstGeom prst="rect">
+            <a:avLst/>
+          </a:prstGeom>
+          <a:noFill/>
+        </p:spPr>
+        <p:txBody>
+          <a:bodyPr wrap="square">
+            <a:spAutoFit/>
+          </a:bodyPr>
+          <a:lstStyle/>
+          <a:p>
+            <a:pPr algn="ctr"/>
+            <a:r>
+              <a:rPr lang="en-US" sz="4400" dirty="0">
+                <a:ln w="0"/>
+                <a:solidFill>
+                  <a:schemeClr val="tx1">
+                    <a:lumMod val="50000"/>
+                    <a:lumOff val="50000"/>
+                  </a:schemeClr>
+                </a:solidFill>
+                <a:effectLst>
+                  <a:outerShdw blurRad="38100" dist="19050" dir="2700000" algn="tl" rotWithShape="0">
+                    <a:schemeClr val="dk1">
+                      <a:alpha val="40000"/>
+                    </a:schemeClr>
+                  </a:outerShdw>
+                </a:effectLst>
+              </a:rPr>
+              <a:t>Declarative Data Validation</a:t>
+            </a:r>
+          </a:p>
+        </p:txBody>
+      </p:sp>
+    </p:spTree>
+    <p:extLst>
+      <p:ext uri="{BB962C8B-B14F-4D97-AF65-F5344CB8AC3E}">
+        <p14:creationId xmlns:p14="http://schemas.microsoft.com/office/powerpoint/2010/main" val="4040997742"/>
+      </p:ext>
+    </p:extLst>
+  </p:cSld>
+  <p:clrMapOvr>
+    <a:masterClrMapping/>
+  </p:clrMapOvr>
+</p:sld>
+</file>
+
+<file path=ppt/slides/slide5.xml><?xml version="1.0" encoding="utf-8"?>
+<p:sld xmlns:a="http://schemas.openxmlformats.org/drawingml/2006/main" xmlns:r="http://schemas.openxmlformats.org/officeDocument/2006/relationships" xmlns:p="http://schemas.openxmlformats.org/presentationml/2006/main">
+  <p:cSld>
+    <p:bg>
+      <p:bgPr>
+        <a:solidFill>
+          <a:schemeClr val="tx1">
+            <a:lumMod val="85000"/>
+            <a:lumOff val="15000"/>
+          </a:schemeClr>
+        </a:solidFill>
+        <a:effectLst/>
+      </p:bgPr>
+    </p:bg>
+    <p:spTree>
+      <p:nvGrpSpPr>
+        <p:cNvPr id="1" name=""/>
+        <p:cNvGrpSpPr/>
+        <p:nvPr/>
+      </p:nvGrpSpPr>
+      <p:grpSpPr>
+        <a:xfrm>
+          <a:off x="0" y="0"/>
+          <a:ext cx="0" cy="0"/>
+          <a:chOff x="0" y="0"/>
+          <a:chExt cx="0" cy="0"/>
+        </a:xfrm>
+      </p:grpSpPr>
+      <p:sp>
+        <p:nvSpPr>
+          <p:cNvPr id="4" name="Rectangle: Rounded Corners 3">
+            <a:extLst>
+              <a:ext uri="{FF2B5EF4-FFF2-40B4-BE49-F238E27FC236}">
+                <a16:creationId xmlns:a16="http://schemas.microsoft.com/office/drawing/2014/main" id="{8159CDA3-2140-49D4-9F48-BCB21DC600A7}"/>
+              </a:ext>
+            </a:extLst>
+          </p:cNvPr>
+          <p:cNvSpPr/>
+          <p:nvPr/>
+        </p:nvSpPr>
+        <p:spPr>
+          <a:xfrm>
             <a:off x="781647" y="1322263"/>
             <a:ext cx="5808668" cy="4829216"/>
           </a:xfrm>
